--- a/Slides/Class18.pptx
+++ b/Slides/Class18.pptx
@@ -5,15 +5,14 @@
     <p:sldMasterId id="2147483648" r:id="rId1"/>
   </p:sldMasterIdLst>
   <p:notesMasterIdLst>
-    <p:notesMasterId r:id="rId5"/>
+    <p:notesMasterId r:id="rId4"/>
   </p:notesMasterIdLst>
   <p:handoutMasterIdLst>
-    <p:handoutMasterId r:id="rId6"/>
+    <p:handoutMasterId r:id="rId5"/>
   </p:handoutMasterIdLst>
   <p:sldIdLst>
     <p:sldId id="258" r:id="rId2"/>
     <p:sldId id="409" r:id="rId3"/>
-    <p:sldId id="408" r:id="rId4"/>
   </p:sldIdLst>
   <p:sldSz cx="9144000" cy="6858000" type="screen4x3"/>
   <p:notesSz cx="6858000" cy="9144000"/>
@@ -227,7 +226,7 @@
           <a:p>
             <a:fld id="{C24322AF-E05B-7249-906C-FBAC6154C037}" type="datetimeFigureOut">
               <a:rPr lang="en-US" smtClean="0"/>
-              <a:t>12/11/18</a:t>
+              <a:t>1/24/21</a:t>
             </a:fld>
             <a:endParaRPr lang="en-US"/>
           </a:p>
@@ -393,7 +392,7 @@
             <a:fld id="{06A43BE5-3BD4-F642-8751-88A31D8D6D13}" type="datetimeFigureOut">
               <a:rPr lang="en-US" smtClean="0"/>
               <a:pPr/>
-              <a:t>12/11/18</a:t>
+              <a:t>1/24/21</a:t>
             </a:fld>
             <a:endParaRPr lang="en-US"/>
           </a:p>
@@ -936,7 +935,7 @@
             <a:fld id="{A4FA2B0E-4818-9849-9CF1-1031FD4E1DAB}" type="datetimeFigureOut">
               <a:rPr lang="en-US" smtClean="0"/>
               <a:pPr/>
-              <a:t>12/11/18</a:t>
+              <a:t>1/24/21</a:t>
             </a:fld>
             <a:endParaRPr lang="en-US"/>
           </a:p>
@@ -1101,7 +1100,7 @@
             <a:fld id="{A4FA2B0E-4818-9849-9CF1-1031FD4E1DAB}" type="datetimeFigureOut">
               <a:rPr lang="en-US" smtClean="0"/>
               <a:pPr/>
-              <a:t>12/11/18</a:t>
+              <a:t>1/24/21</a:t>
             </a:fld>
             <a:endParaRPr lang="en-US"/>
           </a:p>
@@ -1276,7 +1275,7 @@
             <a:fld id="{A4FA2B0E-4818-9849-9CF1-1031FD4E1DAB}" type="datetimeFigureOut">
               <a:rPr lang="en-US" smtClean="0"/>
               <a:pPr/>
-              <a:t>12/11/18</a:t>
+              <a:t>1/24/21</a:t>
             </a:fld>
             <a:endParaRPr lang="en-US"/>
           </a:p>
@@ -1441,7 +1440,7 @@
             <a:fld id="{A4FA2B0E-4818-9849-9CF1-1031FD4E1DAB}" type="datetimeFigureOut">
               <a:rPr lang="en-US" smtClean="0"/>
               <a:pPr/>
-              <a:t>12/11/18</a:t>
+              <a:t>1/24/21</a:t>
             </a:fld>
             <a:endParaRPr lang="en-US"/>
           </a:p>
@@ -1683,7 +1682,7 @@
             <a:fld id="{A4FA2B0E-4818-9849-9CF1-1031FD4E1DAB}" type="datetimeFigureOut">
               <a:rPr lang="en-US" smtClean="0"/>
               <a:pPr/>
-              <a:t>12/11/18</a:t>
+              <a:t>1/24/21</a:t>
             </a:fld>
             <a:endParaRPr lang="en-US"/>
           </a:p>
@@ -1965,7 +1964,7 @@
             <a:fld id="{A4FA2B0E-4818-9849-9CF1-1031FD4E1DAB}" type="datetimeFigureOut">
               <a:rPr lang="en-US" smtClean="0"/>
               <a:pPr/>
-              <a:t>12/11/18</a:t>
+              <a:t>1/24/21</a:t>
             </a:fld>
             <a:endParaRPr lang="en-US"/>
           </a:p>
@@ -2381,7 +2380,7 @@
             <a:fld id="{A4FA2B0E-4818-9849-9CF1-1031FD4E1DAB}" type="datetimeFigureOut">
               <a:rPr lang="en-US" smtClean="0"/>
               <a:pPr/>
-              <a:t>12/11/18</a:t>
+              <a:t>1/24/21</a:t>
             </a:fld>
             <a:endParaRPr lang="en-US"/>
           </a:p>
@@ -2495,7 +2494,7 @@
             <a:fld id="{A4FA2B0E-4818-9849-9CF1-1031FD4E1DAB}" type="datetimeFigureOut">
               <a:rPr lang="en-US" smtClean="0"/>
               <a:pPr/>
-              <a:t>12/11/18</a:t>
+              <a:t>1/24/21</a:t>
             </a:fld>
             <a:endParaRPr lang="en-US"/>
           </a:p>
@@ -2587,7 +2586,7 @@
             <a:fld id="{A4FA2B0E-4818-9849-9CF1-1031FD4E1DAB}" type="datetimeFigureOut">
               <a:rPr lang="en-US" smtClean="0"/>
               <a:pPr/>
-              <a:t>12/11/18</a:t>
+              <a:t>1/24/21</a:t>
             </a:fld>
             <a:endParaRPr lang="en-US"/>
           </a:p>
@@ -2859,7 +2858,7 @@
             <a:fld id="{A4FA2B0E-4818-9849-9CF1-1031FD4E1DAB}" type="datetimeFigureOut">
               <a:rPr lang="en-US" smtClean="0"/>
               <a:pPr/>
-              <a:t>12/11/18</a:t>
+              <a:t>1/24/21</a:t>
             </a:fld>
             <a:endParaRPr lang="en-US"/>
           </a:p>
@@ -3108,7 +3107,7 @@
             <a:fld id="{A4FA2B0E-4818-9849-9CF1-1031FD4E1DAB}" type="datetimeFigureOut">
               <a:rPr lang="en-US" smtClean="0"/>
               <a:pPr/>
-              <a:t>12/11/18</a:t>
+              <a:t>1/24/21</a:t>
             </a:fld>
             <a:endParaRPr lang="en-US"/>
           </a:p>
@@ -3316,7 +3315,7 @@
             <a:fld id="{A4FA2B0E-4818-9849-9CF1-1031FD4E1DAB}" type="datetimeFigureOut">
               <a:rPr lang="en-US" smtClean="0"/>
               <a:pPr/>
-              <a:t>12/11/18</a:t>
+              <a:t>1/24/21</a:t>
             </a:fld>
             <a:endParaRPr lang="en-US"/>
           </a:p>
@@ -3760,7 +3759,7 @@
                 <a:latin typeface="Times New Roman"/>
                 <a:cs typeface="Times New Roman"/>
               </a:rPr>
-              <a:t>Presentation of Research Article</a:t>
+              <a:t>Applications for Graduate School</a:t>
             </a:r>
           </a:p>
           <a:p>
@@ -3773,7 +3772,7 @@
                 <a:latin typeface="Times New Roman"/>
                 <a:cs typeface="Times New Roman"/>
               </a:rPr>
-              <a:t>Peer Review with Rubrics</a:t>
+              <a:t>Summer Research &amp; Internships</a:t>
             </a:r>
           </a:p>
         </p:txBody>
@@ -3817,7 +3816,7 @@
         <p:spPr>
           <a:xfrm>
             <a:off x="275549" y="191702"/>
-            <a:ext cx="5098447" cy="553998"/>
+            <a:ext cx="5731121" cy="553998"/>
           </a:xfrm>
           <a:prstGeom prst="rect">
             <a:avLst/>
@@ -3838,7 +3837,37 @@
                 <a:latin typeface="Times New Roman"/>
                 <a:cs typeface="Times New Roman"/>
               </a:rPr>
-              <a:t>Rubric Items for Presentation</a:t>
+              <a:t>Writing a Cover Letter  </a:t>
+            </a:r>
+            <a:r>
+              <a:rPr lang="en-US" sz="2400" dirty="0">
+                <a:solidFill>
+                  <a:prstClr val="black"/>
+                </a:solidFill>
+                <a:latin typeface="Times New Roman"/>
+                <a:cs typeface="Times New Roman"/>
+              </a:rPr>
+              <a:t>(</a:t>
+            </a:r>
+            <a:r>
+              <a:rPr lang="en-US" sz="2400" i="1" dirty="0">
+                <a:solidFill>
+                  <a:prstClr val="black"/>
+                </a:solidFill>
+                <a:latin typeface="Times New Roman"/>
+                <a:cs typeface="Times New Roman"/>
+              </a:rPr>
+              <a:t>Homework</a:t>
+            </a:r>
+            <a:r>
+              <a:rPr lang="en-US" sz="2400" dirty="0">
+                <a:solidFill>
+                  <a:prstClr val="black"/>
+                </a:solidFill>
+                <a:latin typeface="Times New Roman"/>
+                <a:cs typeface="Times New Roman"/>
+              </a:rPr>
+              <a:t>)</a:t>
             </a:r>
             <a:endParaRPr lang="en-US" sz="2400" b="1" dirty="0">
               <a:solidFill>
@@ -3865,7 +3894,7 @@
         <p:spPr>
           <a:xfrm>
             <a:off x="539603" y="945629"/>
-            <a:ext cx="8450017" cy="4524315"/>
+            <a:ext cx="8137469" cy="5201424"/>
           </a:xfrm>
           <a:prstGeom prst="rect">
             <a:avLst/>
@@ -3888,254 +3917,8 @@
                 <a:ea typeface="MS Mincho" panose="02020609040205080304" pitchFamily="49" charset="-128"/>
                 <a:cs typeface="Times New Roman" panose="02020603050405020304" pitchFamily="18" charset="0"/>
               </a:rPr>
-              <a:t>Content: grasp of physics behind the research in the paper</a:t>
-            </a:r>
-          </a:p>
-          <a:p>
-            <a:pPr marL="342900" indent="-342900">
-              <a:buFont typeface="Arial" panose="020B0604020202020204" pitchFamily="34" charset="0"/>
-              <a:buChar char="•"/>
-            </a:pPr>
-            <a:r>
-              <a:rPr lang="en-US" sz="2400" dirty="0">
-                <a:latin typeface="Times New Roman" panose="02020603050405020304" pitchFamily="18" charset="0"/>
-                <a:ea typeface="MS Mincho" panose="02020609040205080304" pitchFamily="49" charset="-128"/>
-                <a:cs typeface="Times New Roman" panose="02020603050405020304" pitchFamily="18" charset="0"/>
-              </a:rPr>
-              <a:t>Motivation: grasp of context and motivation behind the research</a:t>
-            </a:r>
-          </a:p>
-          <a:p>
-            <a:pPr marL="342900" indent="-342900">
-              <a:buFont typeface="Arial" panose="020B0604020202020204" pitchFamily="34" charset="0"/>
-              <a:buChar char="•"/>
-            </a:pPr>
-            <a:r>
-              <a:rPr lang="en-US" sz="2400" dirty="0">
-                <a:latin typeface="Times New Roman" panose="02020603050405020304" pitchFamily="18" charset="0"/>
-                <a:ea typeface="MS Mincho" panose="02020609040205080304" pitchFamily="49" charset="-128"/>
-                <a:cs typeface="Times New Roman" panose="02020603050405020304" pitchFamily="18" charset="0"/>
-              </a:rPr>
-              <a:t>Subject Knowledge: answering all questions with explanations and elaboration</a:t>
-            </a:r>
-          </a:p>
-          <a:p>
-            <a:pPr marL="342900" indent="-342900">
-              <a:buFont typeface="Arial" panose="020B0604020202020204" pitchFamily="34" charset="0"/>
-              <a:buChar char="•"/>
-            </a:pPr>
-            <a:r>
-              <a:rPr lang="en-US" sz="2400" dirty="0">
-                <a:latin typeface="Times New Roman" panose="02020603050405020304" pitchFamily="18" charset="0"/>
-                <a:ea typeface="MS Mincho" panose="02020609040205080304" pitchFamily="49" charset="-128"/>
-                <a:cs typeface="Times New Roman" panose="02020603050405020304" pitchFamily="18" charset="0"/>
-              </a:rPr>
-              <a:t>Organization: information in logical, interesting sequence which audience can follow</a:t>
-            </a:r>
-          </a:p>
-          <a:p>
-            <a:pPr marL="342900" indent="-342900">
-              <a:buFont typeface="Arial" panose="020B0604020202020204" pitchFamily="34" charset="0"/>
-              <a:buChar char="•"/>
-            </a:pPr>
-            <a:r>
-              <a:rPr lang="en-US" sz="2400" dirty="0">
-                <a:latin typeface="Times New Roman" panose="02020603050405020304" pitchFamily="18" charset="0"/>
-                <a:ea typeface="MS Mincho" panose="02020609040205080304" pitchFamily="49" charset="-128"/>
-                <a:cs typeface="Times New Roman" panose="02020603050405020304" pitchFamily="18" charset="0"/>
-              </a:rPr>
-              <a:t>Communication Aids: strongly enhance presentation; font of visuals is readable</a:t>
-            </a:r>
-          </a:p>
-          <a:p>
-            <a:pPr marL="342900" indent="-342900">
-              <a:buFont typeface="Arial" panose="020B0604020202020204" pitchFamily="34" charset="0"/>
-              <a:buChar char="•"/>
-            </a:pPr>
-            <a:r>
-              <a:rPr lang="en-US" sz="2400" dirty="0">
-                <a:latin typeface="Times New Roman" panose="02020603050405020304" pitchFamily="18" charset="0"/>
-                <a:ea typeface="MS Mincho" panose="02020609040205080304" pitchFamily="49" charset="-128"/>
-                <a:cs typeface="Times New Roman" panose="02020603050405020304" pitchFamily="18" charset="0"/>
-              </a:rPr>
-              <a:t>Elocution: clear voice and precise pronunciation of terms</a:t>
-            </a:r>
-          </a:p>
-          <a:p>
-            <a:pPr marL="342900" indent="-342900">
-              <a:buFont typeface="Arial" panose="020B0604020202020204" pitchFamily="34" charset="0"/>
-              <a:buChar char="•"/>
-            </a:pPr>
-            <a:r>
-              <a:rPr lang="en-US" sz="2400" dirty="0">
-                <a:latin typeface="Times New Roman" panose="02020603050405020304" pitchFamily="18" charset="0"/>
-                <a:ea typeface="MS Mincho" panose="02020609040205080304" pitchFamily="49" charset="-128"/>
-                <a:cs typeface="Times New Roman" panose="02020603050405020304" pitchFamily="18" charset="0"/>
-              </a:rPr>
-              <a:t>Body Language: good position/posture; movements seem fluid</a:t>
-            </a:r>
-          </a:p>
-          <a:p>
-            <a:pPr marL="342900" indent="-342900">
-              <a:buFont typeface="Arial" panose="020B0604020202020204" pitchFamily="34" charset="0"/>
-              <a:buChar char="•"/>
-            </a:pPr>
-            <a:r>
-              <a:rPr lang="en-US" sz="2400" dirty="0">
-                <a:latin typeface="Times New Roman" panose="02020603050405020304" pitchFamily="18" charset="0"/>
-                <a:ea typeface="MS Mincho" panose="02020609040205080304" pitchFamily="49" charset="-128"/>
-                <a:cs typeface="Times New Roman" panose="02020603050405020304" pitchFamily="18" charset="0"/>
-              </a:rPr>
-              <a:t>Eye Contact: holding attention with direct eye contact</a:t>
-            </a:r>
-          </a:p>
-          <a:p>
-            <a:pPr marL="342900" indent="-342900">
-              <a:buFont typeface="Arial" panose="020B0604020202020204" pitchFamily="34" charset="0"/>
-              <a:buChar char="•"/>
-            </a:pPr>
-            <a:r>
-              <a:rPr lang="en-US" sz="2400" dirty="0">
-                <a:latin typeface="Times New Roman" panose="02020603050405020304" pitchFamily="18" charset="0"/>
-                <a:ea typeface="MS Mincho" panose="02020609040205080304" pitchFamily="49" charset="-128"/>
-                <a:cs typeface="Times New Roman" panose="02020603050405020304" pitchFamily="18" charset="0"/>
-              </a:rPr>
-              <a:t>Enthusiasm: strong, positive feeling about topic</a:t>
-            </a:r>
-            <a:endParaRPr lang="en-US" sz="2200" dirty="0">
-              <a:latin typeface="Times New Roman" panose="02020603050405020304" pitchFamily="18" charset="0"/>
-              <a:ea typeface="MS Mincho" panose="02020609040205080304" pitchFamily="49" charset="-128"/>
-              <a:cs typeface="Times New Roman" panose="02020603050405020304" pitchFamily="18" charset="0"/>
-            </a:endParaRPr>
-          </a:p>
-        </p:txBody>
-      </p:sp>
-    </p:spTree>
-    <p:extLst>
-      <p:ext uri="{BB962C8B-B14F-4D97-AF65-F5344CB8AC3E}">
-        <p14:creationId xmlns:p14="http://schemas.microsoft.com/office/powerpoint/2010/main" val="3037336259"/>
-      </p:ext>
-    </p:extLst>
-  </p:cSld>
-  <p:clrMapOvr>
-    <a:masterClrMapping/>
-  </p:clrMapOvr>
-</p:sld>
-</file>
-
-<file path=ppt/slides/slide3.xml><?xml version="1.0" encoding="utf-8"?>
-<p:sld xmlns:a="http://schemas.openxmlformats.org/drawingml/2006/main" xmlns:r="http://schemas.openxmlformats.org/officeDocument/2006/relationships" xmlns:p="http://schemas.openxmlformats.org/presentationml/2006/main">
-  <p:cSld>
-    <p:spTree>
-      <p:nvGrpSpPr>
-        <p:cNvPr id="1" name=""/>
-        <p:cNvGrpSpPr/>
-        <p:nvPr/>
-      </p:nvGrpSpPr>
-      <p:grpSpPr>
-        <a:xfrm>
-          <a:off x="0" y="0"/>
-          <a:ext cx="0" cy="0"/>
-          <a:chOff x="0" y="0"/>
-          <a:chExt cx="0" cy="0"/>
-        </a:xfrm>
-      </p:grpSpPr>
-      <p:sp>
-        <p:nvSpPr>
-          <p:cNvPr id="4" name="TextBox 3"/>
-          <p:cNvSpPr txBox="1"/>
-          <p:nvPr/>
-        </p:nvSpPr>
-        <p:spPr>
-          <a:xfrm>
-            <a:off x="275549" y="191702"/>
-            <a:ext cx="5601790" cy="553998"/>
-          </a:xfrm>
-          <a:prstGeom prst="rect">
-            <a:avLst/>
-          </a:prstGeom>
-          <a:noFill/>
-        </p:spPr>
-        <p:txBody>
-          <a:bodyPr wrap="none" rtlCol="0">
-            <a:spAutoFit/>
-          </a:bodyPr>
-          <a:lstStyle/>
-          <a:p>
-            <a:r>
-              <a:rPr lang="en-US" sz="3000" b="1" dirty="0">
-                <a:solidFill>
-                  <a:prstClr val="black"/>
-                </a:solidFill>
-                <a:latin typeface="Times New Roman"/>
-                <a:cs typeface="Times New Roman"/>
-              </a:rPr>
-              <a:t>Undergraduate Research Project</a:t>
-            </a:r>
-            <a:endParaRPr lang="en-US" sz="2400" b="1" dirty="0">
-              <a:solidFill>
-                <a:prstClr val="black"/>
-              </a:solidFill>
-              <a:latin typeface="Times New Roman"/>
-              <a:cs typeface="Times New Roman"/>
-            </a:endParaRPr>
-          </a:p>
-        </p:txBody>
-      </p:sp>
-      <p:sp>
-        <p:nvSpPr>
-          <p:cNvPr id="6" name="TextBox 5">
-            <a:extLst>
-              <a:ext uri="{FF2B5EF4-FFF2-40B4-BE49-F238E27FC236}">
-                <a16:creationId xmlns:a16="http://schemas.microsoft.com/office/drawing/2014/main" id="{878A97EC-2834-8447-A6B8-2F5335C4C2C1}"/>
-              </a:ext>
-            </a:extLst>
-          </p:cNvPr>
-          <p:cNvSpPr txBox="1"/>
-          <p:nvPr/>
-        </p:nvSpPr>
-        <p:spPr>
-          <a:xfrm>
-            <a:off x="539603" y="945629"/>
-            <a:ext cx="8375797" cy="3539430"/>
-          </a:xfrm>
-          <a:prstGeom prst="rect">
-            <a:avLst/>
-          </a:prstGeom>
-          <a:noFill/>
-        </p:spPr>
-        <p:txBody>
-          <a:bodyPr wrap="square" rtlCol="0">
-            <a:spAutoFit/>
-          </a:bodyPr>
-          <a:lstStyle/>
-          <a:p>
-            <a:pPr marL="342900" indent="-342900">
-              <a:buFont typeface="Arial" panose="020B0604020202020204" pitchFamily="34" charset="0"/>
-              <a:buChar char="•"/>
-            </a:pPr>
-            <a:r>
-              <a:rPr lang="en-US" sz="2400" dirty="0">
-                <a:latin typeface="Times New Roman" panose="02020603050405020304" pitchFamily="18" charset="0"/>
-                <a:ea typeface="MS Mincho" panose="02020609040205080304" pitchFamily="49" charset="-128"/>
-                <a:cs typeface="Times New Roman" panose="02020603050405020304" pitchFamily="18" charset="0"/>
-              </a:rPr>
-              <a:t>In 4 weeks: abstract &amp; presentation of research project  </a:t>
-            </a:r>
-            <a:r>
-              <a:rPr lang="en-US" sz="2400" dirty="0">
-                <a:latin typeface="Times New Roman" panose="02020603050405020304" pitchFamily="18" charset="0"/>
-                <a:ea typeface="MS Mincho" panose="02020609040205080304" pitchFamily="49" charset="-128"/>
-                <a:cs typeface="Times New Roman" panose="02020603050405020304" pitchFamily="18" charset="0"/>
-                <a:sym typeface="Wingdings" pitchFamily="2" charset="2"/>
-              </a:rPr>
-              <a:t>  4 weeks left to establish a research project</a:t>
-            </a:r>
-            <a:endParaRPr lang="en-US" sz="2400" dirty="0">
-              <a:latin typeface="Times New Roman" panose="02020603050405020304" pitchFamily="18" charset="0"/>
-              <a:ea typeface="MS Mincho" panose="02020609040205080304" pitchFamily="49" charset="-128"/>
-              <a:cs typeface="Times New Roman" panose="02020603050405020304" pitchFamily="18" charset="0"/>
-            </a:endParaRPr>
+              <a:t>Every student picks a job ad, company, organization, university, summer program, etc. that they want to apply to</a:t>
+            </a:r>
           </a:p>
           <a:p>
             <a:pPr marL="342900" indent="-342900">
@@ -4159,7 +3942,7 @@
                 <a:ea typeface="MS Mincho" panose="02020609040205080304" pitchFamily="49" charset="-128"/>
                 <a:cs typeface="Times New Roman" panose="02020603050405020304" pitchFamily="18" charset="0"/>
               </a:rPr>
-              <a:t>Project form to be filled out and signed by student and research advisor by 4 weeks from today</a:t>
+              <a:t>Every student writes a CV/resume and a cover letter for that application</a:t>
             </a:r>
           </a:p>
           <a:p>
@@ -4184,7 +3967,7 @@
                 <a:ea typeface="MS Mincho" panose="02020609040205080304" pitchFamily="49" charset="-128"/>
                 <a:cs typeface="Times New Roman" panose="02020603050405020304" pitchFamily="18" charset="0"/>
               </a:rPr>
-              <a:t>No research project yet? Start contacting possible advisors!</a:t>
+              <a:t>Use resources from the GW Center for Career Services, e.g. Resume Writing Guide and Cover Letter Writing Guide</a:t>
             </a:r>
           </a:p>
           <a:p>
@@ -4209,7 +3992,23 @@
                 <a:ea typeface="MS Mincho" panose="02020609040205080304" pitchFamily="49" charset="-128"/>
                 <a:cs typeface="Times New Roman" panose="02020603050405020304" pitchFamily="18" charset="0"/>
               </a:rPr>
-              <a:t>Found a research advisor? Start reading on the topic!</a:t>
+              <a:t>The CV/resume and cover letter should be submitted in editable Word, Open Office, </a:t>
+            </a:r>
+            <a:r>
+              <a:rPr lang="en-US" sz="2400" dirty="0" err="1">
+                <a:latin typeface="Times New Roman" panose="02020603050405020304" pitchFamily="18" charset="0"/>
+                <a:ea typeface="MS Mincho" panose="02020609040205080304" pitchFamily="49" charset="-128"/>
+                <a:cs typeface="Times New Roman" panose="02020603050405020304" pitchFamily="18" charset="0"/>
+              </a:rPr>
+              <a:t>TeX</a:t>
+            </a:r>
+            <a:r>
+              <a:rPr lang="en-US" sz="2400" dirty="0">
+                <a:latin typeface="Times New Roman" panose="02020603050405020304" pitchFamily="18" charset="0"/>
+                <a:ea typeface="MS Mincho" panose="02020609040205080304" pitchFamily="49" charset="-128"/>
+                <a:cs typeface="Times New Roman" panose="02020603050405020304" pitchFamily="18" charset="0"/>
+              </a:rPr>
+              <a:t>, or plain ASCII format</a:t>
             </a:r>
           </a:p>
           <a:p>
@@ -4234,7 +4033,32 @@
                 <a:ea typeface="MS Mincho" panose="02020609040205080304" pitchFamily="49" charset="-128"/>
                 <a:cs typeface="Times New Roman" panose="02020603050405020304" pitchFamily="18" charset="0"/>
               </a:rPr>
-              <a:t>Familiar with the topic? Start writing an abstract and preparing a presentation!</a:t>
+              <a:t>The CV/resume and cover letter should be submitted in electronic form before the start of the next class</a:t>
+            </a:r>
+          </a:p>
+          <a:p>
+            <a:pPr marL="342900" indent="-342900">
+              <a:buFont typeface="Arial" panose="020B0604020202020204" pitchFamily="34" charset="0"/>
+              <a:buChar char="•"/>
+            </a:pPr>
+            <a:endParaRPr lang="en-US" sz="1200" dirty="0">
+              <a:latin typeface="Times New Roman" panose="02020603050405020304" pitchFamily="18" charset="0"/>
+              <a:ea typeface="MS Mincho" panose="02020609040205080304" pitchFamily="49" charset="-128"/>
+              <a:cs typeface="Times New Roman" panose="02020603050405020304" pitchFamily="18" charset="0"/>
+            </a:endParaRPr>
+          </a:p>
+          <a:p>
+            <a:pPr marL="342900" indent="-342900">
+              <a:buFont typeface="Arial" panose="020B0604020202020204" pitchFamily="34" charset="0"/>
+              <a:buChar char="•"/>
+            </a:pPr>
+            <a:r>
+              <a:rPr lang="en-US" sz="2400" dirty="0">
+                <a:latin typeface="Times New Roman" panose="02020603050405020304" pitchFamily="18" charset="0"/>
+                <a:ea typeface="MS Mincho" panose="02020609040205080304" pitchFamily="49" charset="-128"/>
+                <a:cs typeface="Times New Roman" panose="02020603050405020304" pitchFamily="18" charset="0"/>
+              </a:rPr>
+              <a:t>Every student should bring two print-outs of the CV/resume and cover letter to the next class for peer review</a:t>
             </a:r>
           </a:p>
         </p:txBody>
@@ -4242,288 +4066,13 @@
     </p:spTree>
     <p:extLst>
       <p:ext uri="{BB962C8B-B14F-4D97-AF65-F5344CB8AC3E}">
-        <p14:creationId xmlns:p14="http://schemas.microsoft.com/office/powerpoint/2010/main" val="2456215296"/>
+        <p14:creationId xmlns:p14="http://schemas.microsoft.com/office/powerpoint/2010/main" val="3654764469"/>
       </p:ext>
     </p:extLst>
   </p:cSld>
   <p:clrMapOvr>
     <a:masterClrMapping/>
   </p:clrMapOvr>
-  <p:timing>
-    <p:tnLst>
-      <p:par>
-        <p:cTn id="1" dur="indefinite" restart="never" nodeType="tmRoot">
-          <p:childTnLst>
-            <p:seq concurrent="1" nextAc="seek">
-              <p:cTn id="2" dur="indefinite" nodeType="mainSeq">
-                <p:childTnLst>
-                  <p:par>
-                    <p:cTn id="3" fill="hold">
-                      <p:stCondLst>
-                        <p:cond delay="indefinite"/>
-                      </p:stCondLst>
-                      <p:childTnLst>
-                        <p:par>
-                          <p:cTn id="4" fill="hold">
-                            <p:stCondLst>
-                              <p:cond delay="0"/>
-                            </p:stCondLst>
-                            <p:childTnLst>
-                              <p:par>
-                                <p:cTn id="5" presetID="1" presetClass="entr" presetSubtype="0" fill="hold" nodeType="clickEffect">
-                                  <p:stCondLst>
-                                    <p:cond delay="0"/>
-                                  </p:stCondLst>
-                                  <p:childTnLst>
-                                    <p:set>
-                                      <p:cBhvr>
-                                        <p:cTn id="6" dur="1" fill="hold">
-                                          <p:stCondLst>
-                                            <p:cond delay="0"/>
-                                          </p:stCondLst>
-                                        </p:cTn>
-                                        <p:tgtEl>
-                                          <p:spTgt spid="6">
-                                            <p:txEl>
-                                              <p:pRg st="0" end="0"/>
-                                            </p:txEl>
-                                          </p:spTgt>
-                                        </p:tgtEl>
-                                        <p:attrNameLst>
-                                          <p:attrName>style.visibility</p:attrName>
-                                        </p:attrNameLst>
-                                      </p:cBhvr>
-                                      <p:to>
-                                        <p:strVal val="visible"/>
-                                      </p:to>
-                                    </p:set>
-                                  </p:childTnLst>
-                                </p:cTn>
-                              </p:par>
-                            </p:childTnLst>
-                          </p:cTn>
-                        </p:par>
-                      </p:childTnLst>
-                    </p:cTn>
-                  </p:par>
-                  <p:par>
-                    <p:cTn id="7" fill="hold">
-                      <p:stCondLst>
-                        <p:cond delay="indefinite"/>
-                      </p:stCondLst>
-                      <p:childTnLst>
-                        <p:par>
-                          <p:cTn id="8" fill="hold">
-                            <p:stCondLst>
-                              <p:cond delay="0"/>
-                            </p:stCondLst>
-                            <p:childTnLst>
-                              <p:par>
-                                <p:cTn id="9" presetID="1" presetClass="entr" presetSubtype="0" fill="hold" nodeType="clickEffect">
-                                  <p:stCondLst>
-                                    <p:cond delay="0"/>
-                                  </p:stCondLst>
-                                  <p:childTnLst>
-                                    <p:set>
-                                      <p:cBhvr>
-                                        <p:cTn id="10" dur="1" fill="hold">
-                                          <p:stCondLst>
-                                            <p:cond delay="0"/>
-                                          </p:stCondLst>
-                                        </p:cTn>
-                                        <p:tgtEl>
-                                          <p:spTgt spid="6">
-                                            <p:txEl>
-                                              <p:pRg st="2" end="2"/>
-                                            </p:txEl>
-                                          </p:spTgt>
-                                        </p:tgtEl>
-                                        <p:attrNameLst>
-                                          <p:attrName>style.visibility</p:attrName>
-                                        </p:attrNameLst>
-                                      </p:cBhvr>
-                                      <p:to>
-                                        <p:strVal val="visible"/>
-                                      </p:to>
-                                    </p:set>
-                                  </p:childTnLst>
-                                </p:cTn>
-                              </p:par>
-                            </p:childTnLst>
-                          </p:cTn>
-                        </p:par>
-                      </p:childTnLst>
-                    </p:cTn>
-                  </p:par>
-                  <p:par>
-                    <p:cTn id="11" fill="hold">
-                      <p:stCondLst>
-                        <p:cond delay="indefinite"/>
-                      </p:stCondLst>
-                      <p:childTnLst>
-                        <p:par>
-                          <p:cTn id="12" fill="hold">
-                            <p:stCondLst>
-                              <p:cond delay="0"/>
-                            </p:stCondLst>
-                            <p:childTnLst>
-                              <p:par>
-                                <p:cTn id="13" presetID="1" presetClass="entr" presetSubtype="0" fill="hold" nodeType="clickEffect">
-                                  <p:stCondLst>
-                                    <p:cond delay="0"/>
-                                  </p:stCondLst>
-                                  <p:childTnLst>
-                                    <p:set>
-                                      <p:cBhvr>
-                                        <p:cTn id="14" dur="1" fill="hold">
-                                          <p:stCondLst>
-                                            <p:cond delay="0"/>
-                                          </p:stCondLst>
-                                        </p:cTn>
-                                        <p:tgtEl>
-                                          <p:spTgt spid="6">
-                                            <p:txEl>
-                                              <p:pRg st="4" end="4"/>
-                                            </p:txEl>
-                                          </p:spTgt>
-                                        </p:tgtEl>
-                                        <p:attrNameLst>
-                                          <p:attrName>style.visibility</p:attrName>
-                                        </p:attrNameLst>
-                                      </p:cBhvr>
-                                      <p:to>
-                                        <p:strVal val="visible"/>
-                                      </p:to>
-                                    </p:set>
-                                  </p:childTnLst>
-                                </p:cTn>
-                              </p:par>
-                            </p:childTnLst>
-                          </p:cTn>
-                        </p:par>
-                      </p:childTnLst>
-                    </p:cTn>
-                  </p:par>
-                  <p:par>
-                    <p:cTn id="15" fill="hold">
-                      <p:stCondLst>
-                        <p:cond delay="indefinite"/>
-                      </p:stCondLst>
-                      <p:childTnLst>
-                        <p:par>
-                          <p:cTn id="16" fill="hold">
-                            <p:stCondLst>
-                              <p:cond delay="0"/>
-                            </p:stCondLst>
-                            <p:childTnLst>
-                              <p:par>
-                                <p:cTn id="17" presetID="1" presetClass="entr" presetSubtype="0" fill="hold" nodeType="clickEffect">
-                                  <p:stCondLst>
-                                    <p:cond delay="0"/>
-                                  </p:stCondLst>
-                                  <p:childTnLst>
-                                    <p:set>
-                                      <p:cBhvr>
-                                        <p:cTn id="18" dur="1" fill="hold">
-                                          <p:stCondLst>
-                                            <p:cond delay="0"/>
-                                          </p:stCondLst>
-                                        </p:cTn>
-                                        <p:tgtEl>
-                                          <p:spTgt spid="6">
-                                            <p:txEl>
-                                              <p:pRg st="6" end="6"/>
-                                            </p:txEl>
-                                          </p:spTgt>
-                                        </p:tgtEl>
-                                        <p:attrNameLst>
-                                          <p:attrName>style.visibility</p:attrName>
-                                        </p:attrNameLst>
-                                      </p:cBhvr>
-                                      <p:to>
-                                        <p:strVal val="visible"/>
-                                      </p:to>
-                                    </p:set>
-                                  </p:childTnLst>
-                                </p:cTn>
-                              </p:par>
-                            </p:childTnLst>
-                          </p:cTn>
-                        </p:par>
-                      </p:childTnLst>
-                    </p:cTn>
-                  </p:par>
-                  <p:par>
-                    <p:cTn id="19" fill="hold">
-                      <p:stCondLst>
-                        <p:cond delay="indefinite"/>
-                      </p:stCondLst>
-                      <p:childTnLst>
-                        <p:par>
-                          <p:cTn id="20" fill="hold">
-                            <p:stCondLst>
-                              <p:cond delay="0"/>
-                            </p:stCondLst>
-                            <p:childTnLst>
-                              <p:par>
-                                <p:cTn id="21" presetID="1" presetClass="entr" presetSubtype="0" fill="hold" nodeType="clickEffect">
-                                  <p:stCondLst>
-                                    <p:cond delay="0"/>
-                                  </p:stCondLst>
-                                  <p:childTnLst>
-                                    <p:set>
-                                      <p:cBhvr>
-                                        <p:cTn id="22" dur="1" fill="hold">
-                                          <p:stCondLst>
-                                            <p:cond delay="0"/>
-                                          </p:stCondLst>
-                                        </p:cTn>
-                                        <p:tgtEl>
-                                          <p:spTgt spid="6">
-                                            <p:txEl>
-                                              <p:pRg st="8" end="8"/>
-                                            </p:txEl>
-                                          </p:spTgt>
-                                        </p:tgtEl>
-                                        <p:attrNameLst>
-                                          <p:attrName>style.visibility</p:attrName>
-                                        </p:attrNameLst>
-                                      </p:cBhvr>
-                                      <p:to>
-                                        <p:strVal val="visible"/>
-                                      </p:to>
-                                    </p:set>
-                                  </p:childTnLst>
-                                </p:cTn>
-                              </p:par>
-                            </p:childTnLst>
-                          </p:cTn>
-                        </p:par>
-                      </p:childTnLst>
-                    </p:cTn>
-                  </p:par>
-                </p:childTnLst>
-              </p:cTn>
-              <p:prevCondLst>
-                <p:cond evt="onPrev" delay="0">
-                  <p:tgtEl>
-                    <p:sldTgt/>
-                  </p:tgtEl>
-                </p:cond>
-              </p:prevCondLst>
-              <p:nextCondLst>
-                <p:cond evt="onNext" delay="0">
-                  <p:tgtEl>
-                    <p:sldTgt/>
-                  </p:tgtEl>
-                </p:cond>
-              </p:nextCondLst>
-            </p:seq>
-          </p:childTnLst>
-        </p:cTn>
-      </p:par>
-    </p:tnLst>
-  </p:timing>
 </p:sld>
 </file>
 

--- a/Slides/Class18.pptx
+++ b/Slides/Class18.pptx
@@ -226,7 +226,7 @@
           <a:p>
             <a:fld id="{C24322AF-E05B-7249-906C-FBAC6154C037}" type="datetimeFigureOut">
               <a:rPr lang="en-US" smtClean="0"/>
-              <a:t>1/24/21</a:t>
+              <a:t>6/18/25</a:t>
             </a:fld>
             <a:endParaRPr lang="en-US"/>
           </a:p>
@@ -392,7 +392,7 @@
             <a:fld id="{06A43BE5-3BD4-F642-8751-88A31D8D6D13}" type="datetimeFigureOut">
               <a:rPr lang="en-US" smtClean="0"/>
               <a:pPr/>
-              <a:t>1/24/21</a:t>
+              <a:t>6/18/25</a:t>
             </a:fld>
             <a:endParaRPr lang="en-US"/>
           </a:p>
@@ -935,7 +935,7 @@
             <a:fld id="{A4FA2B0E-4818-9849-9CF1-1031FD4E1DAB}" type="datetimeFigureOut">
               <a:rPr lang="en-US" smtClean="0"/>
               <a:pPr/>
-              <a:t>1/24/21</a:t>
+              <a:t>6/18/25</a:t>
             </a:fld>
             <a:endParaRPr lang="en-US"/>
           </a:p>
@@ -1100,7 +1100,7 @@
             <a:fld id="{A4FA2B0E-4818-9849-9CF1-1031FD4E1DAB}" type="datetimeFigureOut">
               <a:rPr lang="en-US" smtClean="0"/>
               <a:pPr/>
-              <a:t>1/24/21</a:t>
+              <a:t>6/18/25</a:t>
             </a:fld>
             <a:endParaRPr lang="en-US"/>
           </a:p>
@@ -1275,7 +1275,7 @@
             <a:fld id="{A4FA2B0E-4818-9849-9CF1-1031FD4E1DAB}" type="datetimeFigureOut">
               <a:rPr lang="en-US" smtClean="0"/>
               <a:pPr/>
-              <a:t>1/24/21</a:t>
+              <a:t>6/18/25</a:t>
             </a:fld>
             <a:endParaRPr lang="en-US"/>
           </a:p>
@@ -1440,7 +1440,7 @@
             <a:fld id="{A4FA2B0E-4818-9849-9CF1-1031FD4E1DAB}" type="datetimeFigureOut">
               <a:rPr lang="en-US" smtClean="0"/>
               <a:pPr/>
-              <a:t>1/24/21</a:t>
+              <a:t>6/18/25</a:t>
             </a:fld>
             <a:endParaRPr lang="en-US"/>
           </a:p>
@@ -1682,7 +1682,7 @@
             <a:fld id="{A4FA2B0E-4818-9849-9CF1-1031FD4E1DAB}" type="datetimeFigureOut">
               <a:rPr lang="en-US" smtClean="0"/>
               <a:pPr/>
-              <a:t>1/24/21</a:t>
+              <a:t>6/18/25</a:t>
             </a:fld>
             <a:endParaRPr lang="en-US"/>
           </a:p>
@@ -1964,7 +1964,7 @@
             <a:fld id="{A4FA2B0E-4818-9849-9CF1-1031FD4E1DAB}" type="datetimeFigureOut">
               <a:rPr lang="en-US" smtClean="0"/>
               <a:pPr/>
-              <a:t>1/24/21</a:t>
+              <a:t>6/18/25</a:t>
             </a:fld>
             <a:endParaRPr lang="en-US"/>
           </a:p>
@@ -2380,7 +2380,7 @@
             <a:fld id="{A4FA2B0E-4818-9849-9CF1-1031FD4E1DAB}" type="datetimeFigureOut">
               <a:rPr lang="en-US" smtClean="0"/>
               <a:pPr/>
-              <a:t>1/24/21</a:t>
+              <a:t>6/18/25</a:t>
             </a:fld>
             <a:endParaRPr lang="en-US"/>
           </a:p>
@@ -2494,7 +2494,7 @@
             <a:fld id="{A4FA2B0E-4818-9849-9CF1-1031FD4E1DAB}" type="datetimeFigureOut">
               <a:rPr lang="en-US" smtClean="0"/>
               <a:pPr/>
-              <a:t>1/24/21</a:t>
+              <a:t>6/18/25</a:t>
             </a:fld>
             <a:endParaRPr lang="en-US"/>
           </a:p>
@@ -2586,7 +2586,7 @@
             <a:fld id="{A4FA2B0E-4818-9849-9CF1-1031FD4E1DAB}" type="datetimeFigureOut">
               <a:rPr lang="en-US" smtClean="0"/>
               <a:pPr/>
-              <a:t>1/24/21</a:t>
+              <a:t>6/18/25</a:t>
             </a:fld>
             <a:endParaRPr lang="en-US"/>
           </a:p>
@@ -2858,7 +2858,7 @@
             <a:fld id="{A4FA2B0E-4818-9849-9CF1-1031FD4E1DAB}" type="datetimeFigureOut">
               <a:rPr lang="en-US" smtClean="0"/>
               <a:pPr/>
-              <a:t>1/24/21</a:t>
+              <a:t>6/18/25</a:t>
             </a:fld>
             <a:endParaRPr lang="en-US"/>
           </a:p>
@@ -3107,7 +3107,7 @@
             <a:fld id="{A4FA2B0E-4818-9849-9CF1-1031FD4E1DAB}" type="datetimeFigureOut">
               <a:rPr lang="en-US" smtClean="0"/>
               <a:pPr/>
-              <a:t>1/24/21</a:t>
+              <a:t>6/18/25</a:t>
             </a:fld>
             <a:endParaRPr lang="en-US"/>
           </a:p>
@@ -3315,7 +3315,7 @@
             <a:fld id="{A4FA2B0E-4818-9849-9CF1-1031FD4E1DAB}" type="datetimeFigureOut">
               <a:rPr lang="en-US" smtClean="0"/>
               <a:pPr/>
-              <a:t>1/24/21</a:t>
+              <a:t>6/18/25</a:t>
             </a:fld>
             <a:endParaRPr lang="en-US"/>
           </a:p>
@@ -3728,7 +3728,7 @@
         <p:spPr>
           <a:xfrm>
             <a:off x="722088" y="3711629"/>
-            <a:ext cx="7436528" cy="1569660"/>
+            <a:ext cx="7436528" cy="1077218"/>
           </a:xfrm>
           <a:prstGeom prst="rect">
             <a:avLst/>
@@ -3759,20 +3759,7 @@
                 <a:latin typeface="Times New Roman"/>
                 <a:cs typeface="Times New Roman"/>
               </a:rPr>
-              <a:t>Applications for Graduate School</a:t>
-            </a:r>
-          </a:p>
-          <a:p>
-            <a:pPr marL="568325" indent="-457200">
-              <a:buFont typeface="Arial" panose="020B0604020202020204" pitchFamily="34" charset="0"/>
-              <a:buChar char="•"/>
-            </a:pPr>
-            <a:r>
-              <a:rPr lang="en-US" sz="3200" dirty="0">
-                <a:latin typeface="Times New Roman"/>
-                <a:cs typeface="Times New Roman"/>
-              </a:rPr>
-              <a:t>Summer Research &amp; Internships</a:t>
+              <a:t>Negotiation &amp; Communication Training</a:t>
             </a:r>
           </a:p>
         </p:txBody>
